--- a/doc/20090717/rvblog 技术文档.pptx
+++ b/doc/20090717/rvblog 技术文档.pptx
@@ -7,14 +7,16 @@
   <p:sldIdLst>
     <p:sldId id="256" r:id="rId2"/>
     <p:sldId id="257" r:id="rId3"/>
-    <p:sldId id="265" r:id="rId4"/>
-    <p:sldId id="266" r:id="rId5"/>
-    <p:sldId id="268" r:id="rId6"/>
-    <p:sldId id="269" r:id="rId7"/>
-    <p:sldId id="270" r:id="rId8"/>
-    <p:sldId id="271" r:id="rId9"/>
-    <p:sldId id="264" r:id="rId10"/>
-    <p:sldId id="263" r:id="rId11"/>
+    <p:sldId id="272" r:id="rId4"/>
+    <p:sldId id="273" r:id="rId5"/>
+    <p:sldId id="271" r:id="rId6"/>
+    <p:sldId id="274" r:id="rId7"/>
+    <p:sldId id="265" r:id="rId8"/>
+    <p:sldId id="275" r:id="rId9"/>
+    <p:sldId id="268" r:id="rId10"/>
+    <p:sldId id="269" r:id="rId11"/>
+    <p:sldId id="264" r:id="rId12"/>
+    <p:sldId id="263" r:id="rId13"/>
   </p:sldIdLst>
   <p:sldSz cx="9144000" cy="6858000" type="screen4x3"/>
   <p:notesSz cx="6858000" cy="9144000"/>
@@ -386,7 +388,7 @@
             <a:fld id="{D3A24512-DCE9-489C-AC66-3CB4C5F88F6C}" type="datetimeFigureOut">
               <a:rPr lang="zh-CN" altLang="en-US" smtClean="0"/>
               <a:pPr/>
-              <a:t>2009-7-11</a:t>
+              <a:t>2009-7-14</a:t>
             </a:fld>
             <a:endParaRPr lang="zh-CN" altLang="en-US"/>
           </a:p>
@@ -756,7 +758,7 @@
             <a:fld id="{D3A24512-DCE9-489C-AC66-3CB4C5F88F6C}" type="datetimeFigureOut">
               <a:rPr lang="zh-CN" altLang="en-US" smtClean="0"/>
               <a:pPr/>
-              <a:t>2009-7-11</a:t>
+              <a:t>2009-7-14</a:t>
             </a:fld>
             <a:endParaRPr lang="zh-CN" altLang="en-US"/>
           </a:p>
@@ -1137,7 +1139,7 @@
             <a:fld id="{D3A24512-DCE9-489C-AC66-3CB4C5F88F6C}" type="datetimeFigureOut">
               <a:rPr lang="zh-CN" altLang="en-US" smtClean="0"/>
               <a:pPr/>
-              <a:t>2009-7-11</a:t>
+              <a:t>2009-7-14</a:t>
             </a:fld>
             <a:endParaRPr lang="zh-CN" altLang="en-US"/>
           </a:p>
@@ -1309,7 +1311,7 @@
             <a:fld id="{D3A24512-DCE9-489C-AC66-3CB4C5F88F6C}" type="datetimeFigureOut">
               <a:rPr lang="zh-CN" altLang="en-US" smtClean="0"/>
               <a:pPr/>
-              <a:t>2009-7-11</a:t>
+              <a:t>2009-7-14</a:t>
             </a:fld>
             <a:endParaRPr lang="zh-CN" altLang="en-US"/>
           </a:p>
@@ -1756,7 +1758,7 @@
             <a:fld id="{D3A24512-DCE9-489C-AC66-3CB4C5F88F6C}" type="datetimeFigureOut">
               <a:rPr lang="zh-CN" altLang="en-US" smtClean="0"/>
               <a:pPr/>
-              <a:t>2009-7-11</a:t>
+              <a:t>2009-7-14</a:t>
             </a:fld>
             <a:endParaRPr lang="zh-CN" altLang="en-US"/>
           </a:p>
@@ -2076,7 +2078,7 @@
             <a:fld id="{D3A24512-DCE9-489C-AC66-3CB4C5F88F6C}" type="datetimeFigureOut">
               <a:rPr lang="zh-CN" altLang="en-US" smtClean="0"/>
               <a:pPr/>
-              <a:t>2009-7-11</a:t>
+              <a:t>2009-7-14</a:t>
             </a:fld>
             <a:endParaRPr lang="zh-CN" altLang="en-US"/>
           </a:p>
@@ -2621,7 +2623,7 @@
             <a:fld id="{D3A24512-DCE9-489C-AC66-3CB4C5F88F6C}" type="datetimeFigureOut">
               <a:rPr lang="zh-CN" altLang="en-US" smtClean="0"/>
               <a:pPr/>
-              <a:t>2009-7-11</a:t>
+              <a:t>2009-7-14</a:t>
             </a:fld>
             <a:endParaRPr lang="zh-CN" altLang="en-US"/>
           </a:p>
@@ -2901,7 +2903,7 @@
             <a:fld id="{D3A24512-DCE9-489C-AC66-3CB4C5F88F6C}" type="datetimeFigureOut">
               <a:rPr lang="zh-CN" altLang="en-US" smtClean="0"/>
               <a:pPr/>
-              <a:t>2009-7-11</a:t>
+              <a:t>2009-7-14</a:t>
             </a:fld>
             <a:endParaRPr lang="zh-CN" altLang="en-US"/>
           </a:p>
@@ -3105,7 +3107,7 @@
             <a:fld id="{D3A24512-DCE9-489C-AC66-3CB4C5F88F6C}" type="datetimeFigureOut">
               <a:rPr lang="zh-CN" altLang="en-US" smtClean="0"/>
               <a:pPr/>
-              <a:t>2009-7-11</a:t>
+              <a:t>2009-7-14</a:t>
             </a:fld>
             <a:endParaRPr lang="zh-CN" altLang="en-US"/>
           </a:p>
@@ -3403,7 +3405,7 @@
             <a:fld id="{D3A24512-DCE9-489C-AC66-3CB4C5F88F6C}" type="datetimeFigureOut">
               <a:rPr lang="zh-CN" altLang="en-US" smtClean="0"/>
               <a:pPr/>
-              <a:t>2009-7-11</a:t>
+              <a:t>2009-7-14</a:t>
             </a:fld>
             <a:endParaRPr lang="zh-CN" altLang="en-US"/>
           </a:p>
@@ -3722,7 +3724,7 @@
             <a:fld id="{D3A24512-DCE9-489C-AC66-3CB4C5F88F6C}" type="datetimeFigureOut">
               <a:rPr lang="zh-CN" altLang="en-US" smtClean="0"/>
               <a:pPr/>
-              <a:t>2009-7-11</a:t>
+              <a:t>2009-7-14</a:t>
             </a:fld>
             <a:endParaRPr lang="zh-CN" altLang="en-US"/>
           </a:p>
@@ -4135,7 +4137,7 @@
             <a:fld id="{D3A24512-DCE9-489C-AC66-3CB4C5F88F6C}" type="datetimeFigureOut">
               <a:rPr lang="zh-CN" altLang="en-US" smtClean="0"/>
               <a:pPr/>
-              <a:t>2009-7-11</a:t>
+              <a:t>2009-7-14</a:t>
             </a:fld>
             <a:endParaRPr lang="zh-CN" altLang="en-US"/>
           </a:p>
@@ -4654,6 +4656,161 @@
           <a:p>
             <a:r>
               <a:rPr lang="en-US" altLang="zh-CN" dirty="0" smtClean="0"/>
+              <a:t>overview</a:t>
+            </a:r>
+            <a:endParaRPr lang="zh-CN" altLang="en-US" dirty="0"/>
+          </a:p>
+        </p:txBody>
+      </p:sp>
+      <p:sp>
+        <p:nvSpPr>
+          <p:cNvPr id="3" name="内容占位符 2"/>
+          <p:cNvSpPr>
+            <a:spLocks noGrp="1"/>
+          </p:cNvSpPr>
+          <p:nvPr>
+            <p:ph idx="1"/>
+          </p:nvPr>
+        </p:nvSpPr>
+        <p:spPr>
+          <a:xfrm>
+            <a:off x="1857356" y="1928802"/>
+            <a:ext cx="6829444" cy="4340237"/>
+          </a:xfrm>
+        </p:spPr>
+        <p:txBody>
+          <a:bodyPr>
+            <a:normAutofit/>
+          </a:bodyPr>
+          <a:lstStyle/>
+          <a:p>
+            <a:pPr>
+              <a:buNone/>
+            </a:pPr>
+            <a:r>
+              <a:rPr lang="en-US" altLang="zh-CN" sz="7200" dirty="0" smtClean="0"/>
+              <a:t>FCKEditor</a:t>
+            </a:r>
+            <a:endParaRPr lang="zh-CN" altLang="en-US" dirty="0"/>
+          </a:p>
+        </p:txBody>
+      </p:sp>
+    </p:spTree>
+  </p:cSld>
+  <p:clrMapOvr>
+    <a:masterClrMapping/>
+  </p:clrMapOvr>
+  <p:timing>
+    <p:tnLst>
+      <p:par>
+        <p:cTn id="1" dur="indefinite" restart="never" nodeType="tmRoot"/>
+      </p:par>
+    </p:tnLst>
+  </p:timing>
+</p:sld>
+</file>
+
+<file path=ppt/slides/slide11.xml><?xml version="1.0" encoding="utf-8"?>
+<p:sld xmlns:a="http://schemas.openxmlformats.org/drawingml/2006/main" xmlns:r="http://schemas.openxmlformats.org/officeDocument/2006/relationships" xmlns:p="http://schemas.openxmlformats.org/presentationml/2006/main">
+  <p:cSld>
+    <p:spTree>
+      <p:nvGrpSpPr>
+        <p:cNvPr id="1" name=""/>
+        <p:cNvGrpSpPr/>
+        <p:nvPr/>
+      </p:nvGrpSpPr>
+      <p:grpSpPr>
+        <a:xfrm>
+          <a:off x="0" y="0"/>
+          <a:ext cx="0" cy="0"/>
+          <a:chOff x="0" y="0"/>
+          <a:chExt cx="0" cy="0"/>
+        </a:xfrm>
+      </p:grpSpPr>
+      <p:sp>
+        <p:nvSpPr>
+          <p:cNvPr id="2" name="标题 1"/>
+          <p:cNvSpPr>
+            <a:spLocks noGrp="1"/>
+          </p:cNvSpPr>
+          <p:nvPr>
+            <p:ph type="title"/>
+          </p:nvPr>
+        </p:nvSpPr>
+        <p:spPr/>
+        <p:txBody>
+          <a:bodyPr/>
+          <a:lstStyle/>
+          <a:p>
+            <a:r>
+              <a:rPr lang="en-US" altLang="zh-CN" dirty="0" smtClean="0"/>
+              <a:t>Buffalo</a:t>
+            </a:r>
+            <a:endParaRPr lang="zh-CN" altLang="en-US" dirty="0"/>
+          </a:p>
+        </p:txBody>
+      </p:sp>
+      <p:sp>
+        <p:nvSpPr>
+          <p:cNvPr id="3" name="内容占位符 2"/>
+          <p:cNvSpPr>
+            <a:spLocks noGrp="1"/>
+          </p:cNvSpPr>
+          <p:nvPr>
+            <p:ph idx="1"/>
+          </p:nvPr>
+        </p:nvSpPr>
+        <p:spPr/>
+        <p:txBody>
+          <a:bodyPr/>
+          <a:lstStyle/>
+          <a:p>
+            <a:endParaRPr lang="zh-CN" altLang="en-US"/>
+          </a:p>
+        </p:txBody>
+      </p:sp>
+    </p:spTree>
+  </p:cSld>
+  <p:clrMapOvr>
+    <a:masterClrMapping/>
+  </p:clrMapOvr>
+</p:sld>
+</file>
+
+<file path=ppt/slides/slide12.xml><?xml version="1.0" encoding="utf-8"?>
+<p:sld xmlns:a="http://schemas.openxmlformats.org/drawingml/2006/main" xmlns:r="http://schemas.openxmlformats.org/officeDocument/2006/relationships" xmlns:p="http://schemas.openxmlformats.org/presentationml/2006/main">
+  <p:cSld>
+    <p:spTree>
+      <p:nvGrpSpPr>
+        <p:cNvPr id="1" name=""/>
+        <p:cNvGrpSpPr/>
+        <p:nvPr/>
+      </p:nvGrpSpPr>
+      <p:grpSpPr>
+        <a:xfrm>
+          <a:off x="0" y="0"/>
+          <a:ext cx="0" cy="0"/>
+          <a:chOff x="0" y="0"/>
+          <a:chExt cx="0" cy="0"/>
+        </a:xfrm>
+      </p:grpSpPr>
+      <p:sp>
+        <p:nvSpPr>
+          <p:cNvPr id="2" name="标题 1"/>
+          <p:cNvSpPr>
+            <a:spLocks noGrp="1"/>
+          </p:cNvSpPr>
+          <p:nvPr>
+            <p:ph type="title"/>
+          </p:nvPr>
+        </p:nvSpPr>
+        <p:spPr/>
+        <p:txBody>
+          <a:bodyPr/>
+          <a:lstStyle/>
+          <a:p>
+            <a:r>
+              <a:rPr lang="en-US" altLang="zh-CN" dirty="0" smtClean="0"/>
               <a:t>FCKEditor</a:t>
             </a:r>
             <a:endParaRPr lang="zh-CN" altLang="en-US" dirty="0"/>
@@ -4768,56 +4925,225 @@
         </p:spPr>
         <p:txBody>
           <a:bodyPr>
-            <a:normAutofit fontScale="62500" lnSpcReduction="20000"/>
+            <a:normAutofit/>
           </a:bodyPr>
           <a:lstStyle/>
           <a:p>
             <a:pPr>
               <a:buNone/>
             </a:pPr>
-            <a:r>
-              <a:rPr lang="en-US" altLang="zh-CN" sz="7200" dirty="0" smtClean="0"/>
-              <a:t>MVC framework:spring2.5.6</a:t>
-            </a:r>
+            <a:endParaRPr lang="en-US" altLang="zh-CN" sz="7200" dirty="0" smtClean="0"/>
           </a:p>
           <a:p>
             <a:pPr>
               <a:buNone/>
             </a:pPr>
-            <a:r>
-              <a:rPr lang="en-US" altLang="zh-CN" sz="7200" dirty="0" smtClean="0"/>
-              <a:t>O/R mapping:</a:t>
-            </a:r>
-            <a:r>
-              <a:rPr lang="en-US" altLang="zh-CN" sz="7200" dirty="0" smtClean="0"/>
-              <a:t>hibernate3.3.1 </a:t>
-            </a:r>
+            <a:endParaRPr lang="en-US" altLang="zh-CN" sz="7200" dirty="0" smtClean="0"/>
           </a:p>
           <a:p>
             <a:pPr>
               <a:buNone/>
             </a:pPr>
-            <a:r>
-              <a:rPr lang="en-US" altLang="zh-CN" sz="7200" dirty="0" smtClean="0"/>
-              <a:t>Ajax:Buffalo</a:t>
-            </a:r>
+            <a:endParaRPr lang="en-US" altLang="zh-CN" sz="7200" dirty="0" smtClean="0"/>
           </a:p>
           <a:p>
             <a:pPr>
               <a:buNone/>
             </a:pPr>
-            <a:r>
-              <a:rPr lang="en-US" altLang="zh-CN" sz="7200" dirty="0" smtClean="0"/>
-              <a:t>Rich text editor:</a:t>
-            </a:r>
-            <a:r>
-              <a:rPr lang="en-US" altLang="zh-CN" sz="7200" dirty="0" smtClean="0"/>
-              <a:t>FCKEditor</a:t>
-            </a:r>
             <a:endParaRPr lang="zh-CN" altLang="en-US" dirty="0"/>
           </a:p>
         </p:txBody>
       </p:sp>
+      <p:graphicFrame>
+        <p:nvGraphicFramePr>
+          <p:cNvPr id="6" name="Table 5"/>
+          <p:cNvGraphicFramePr>
+            <a:graphicFrameLocks noGrp="1"/>
+          </p:cNvGraphicFramePr>
+          <p:nvPr/>
+        </p:nvGraphicFramePr>
+        <p:xfrm>
+          <a:off x="2214546" y="1928802"/>
+          <a:ext cx="6429420" cy="4214840"/>
+        </p:xfrm>
+        <a:graphic>
+          <a:graphicData uri="http://schemas.openxmlformats.org/drawingml/2006/table">
+            <a:tbl>
+              <a:tblPr firstRow="1" bandRow="1">
+                <a:tableStyleId>{5C22544A-7EE6-4342-B048-85BDC9FD1C3A}</a:tableStyleId>
+              </a:tblPr>
+              <a:tblGrid>
+                <a:gridCol w="3214710"/>
+                <a:gridCol w="3214710"/>
+              </a:tblGrid>
+              <a:tr h="842968">
+                <a:tc>
+                  <a:txBody>
+                    <a:bodyPr/>
+                    <a:lstStyle/>
+                    <a:p>
+                      <a:pPr algn="l"/>
+                      <a:r>
+                        <a:rPr lang="en-US" altLang="zh-CN" sz="2800" dirty="0" smtClean="0"/>
+                        <a:t>Tech</a:t>
+                      </a:r>
+                      <a:endParaRPr lang="zh-CN" altLang="en-US" sz="2800" dirty="0"/>
+                    </a:p>
+                  </a:txBody>
+                  <a:tcPr/>
+                </a:tc>
+                <a:tc>
+                  <a:txBody>
+                    <a:bodyPr/>
+                    <a:lstStyle/>
+                    <a:p>
+                      <a:pPr algn="l"/>
+                      <a:r>
+                        <a:rPr lang="en-US" altLang="zh-CN" sz="2800" dirty="0" smtClean="0"/>
+                        <a:t>Project</a:t>
+                      </a:r>
+                      <a:endParaRPr lang="zh-CN" altLang="en-US" sz="2800" dirty="0"/>
+                    </a:p>
+                  </a:txBody>
+                  <a:tcPr/>
+                </a:tc>
+              </a:tr>
+              <a:tr h="842968">
+                <a:tc>
+                  <a:txBody>
+                    <a:bodyPr/>
+                    <a:lstStyle/>
+                    <a:p>
+                      <a:pPr algn="l"/>
+                      <a:r>
+                        <a:rPr lang="en-US" altLang="zh-CN" sz="2800" dirty="0" smtClean="0"/>
+                        <a:t>MVC framework</a:t>
+                      </a:r>
+                      <a:endParaRPr lang="zh-CN" altLang="en-US" sz="2800" dirty="0"/>
+                    </a:p>
+                  </a:txBody>
+                  <a:tcPr/>
+                </a:tc>
+                <a:tc>
+                  <a:txBody>
+                    <a:bodyPr/>
+                    <a:lstStyle/>
+                    <a:p>
+                      <a:pPr algn="l"/>
+                      <a:r>
+                        <a:rPr lang="en-US" altLang="zh-CN" sz="2800" dirty="0" smtClean="0"/>
+                        <a:t>spring2.5.6</a:t>
+                      </a:r>
+                      <a:endParaRPr lang="zh-CN" altLang="en-US" sz="2800" dirty="0"/>
+                    </a:p>
+                  </a:txBody>
+                  <a:tcPr/>
+                </a:tc>
+              </a:tr>
+              <a:tr h="842968">
+                <a:tc>
+                  <a:txBody>
+                    <a:bodyPr/>
+                    <a:lstStyle/>
+                    <a:p>
+                      <a:pPr algn="l"/>
+                      <a:r>
+                        <a:rPr lang="en-US" altLang="zh-CN" sz="2800" dirty="0" smtClean="0"/>
+                        <a:t>O/R mapping</a:t>
+                      </a:r>
+                      <a:endParaRPr lang="zh-CN" altLang="en-US" sz="2800" dirty="0"/>
+                    </a:p>
+                  </a:txBody>
+                  <a:tcPr/>
+                </a:tc>
+                <a:tc>
+                  <a:txBody>
+                    <a:bodyPr/>
+                    <a:lstStyle/>
+                    <a:p>
+                      <a:pPr algn="l"/>
+                      <a:r>
+                        <a:rPr lang="en-US" altLang="zh-CN" sz="2800" dirty="0" smtClean="0"/>
+                        <a:t>hibernate3.3.1</a:t>
+                      </a:r>
+                      <a:endParaRPr lang="zh-CN" altLang="en-US" sz="2800" dirty="0"/>
+                    </a:p>
+                  </a:txBody>
+                  <a:tcPr/>
+                </a:tc>
+              </a:tr>
+              <a:tr h="842968">
+                <a:tc>
+                  <a:txBody>
+                    <a:bodyPr/>
+                    <a:lstStyle/>
+                    <a:p>
+                      <a:pPr algn="l"/>
+                      <a:r>
+                        <a:rPr lang="en-US" altLang="zh-CN" sz="2800" dirty="0" smtClean="0"/>
+                        <a:t>Ajax</a:t>
+                      </a:r>
+                      <a:endParaRPr lang="zh-CN" altLang="en-US" sz="2800" dirty="0"/>
+                    </a:p>
+                  </a:txBody>
+                  <a:tcPr/>
+                </a:tc>
+                <a:tc>
+                  <a:txBody>
+                    <a:bodyPr/>
+                    <a:lstStyle/>
+                    <a:p>
+                      <a:pPr algn="l"/>
+                      <a:r>
+                        <a:rPr lang="en-US" altLang="zh-CN" sz="2800" dirty="0" smtClean="0"/>
+                        <a:t>Buffalo</a:t>
+                      </a:r>
+                      <a:endParaRPr lang="zh-CN" altLang="en-US" sz="2800" dirty="0"/>
+                    </a:p>
+                  </a:txBody>
+                  <a:tcPr/>
+                </a:tc>
+              </a:tr>
+              <a:tr h="842968">
+                <a:tc>
+                  <a:txBody>
+                    <a:bodyPr/>
+                    <a:lstStyle/>
+                    <a:p>
+                      <a:pPr algn="l"/>
+                      <a:r>
+                        <a:rPr lang="en-US" altLang="zh-CN" sz="2800" dirty="0" smtClean="0"/>
+                        <a:t>Rich Text</a:t>
+                      </a:r>
+                      <a:r>
+                        <a:rPr lang="en-US" altLang="zh-CN" sz="2800" baseline="0" dirty="0" smtClean="0"/>
+                        <a:t> Editor</a:t>
+                      </a:r>
+                      <a:endParaRPr lang="zh-CN" altLang="en-US" sz="2800" dirty="0"/>
+                    </a:p>
+                  </a:txBody>
+                  <a:tcPr/>
+                </a:tc>
+                <a:tc>
+                  <a:txBody>
+                    <a:bodyPr/>
+                    <a:lstStyle/>
+                    <a:p>
+                      <a:pPr algn="l"/>
+                      <a:r>
+                        <a:rPr lang="en-US" altLang="zh-CN" sz="2800" dirty="0" err="1" smtClean="0"/>
+                        <a:t>FCKEditor</a:t>
+                      </a:r>
+                      <a:endParaRPr lang="zh-CN" altLang="en-US" sz="2800" dirty="0"/>
+                    </a:p>
+                  </a:txBody>
+                  <a:tcPr/>
+                </a:tc>
+              </a:tr>
+            </a:tbl>
+          </a:graphicData>
+        </a:graphic>
+      </p:graphicFrame>
     </p:spTree>
   </p:cSld>
   <p:clrMapOvr>
@@ -4867,82 +5193,44 @@
           <a:p>
             <a:r>
               <a:rPr lang="en-US" altLang="zh-CN" dirty="0" smtClean="0"/>
-              <a:t>overview</a:t>
+              <a:t>spring2.5.6</a:t>
             </a:r>
             <a:endParaRPr lang="zh-CN" altLang="en-US" dirty="0"/>
           </a:p>
         </p:txBody>
       </p:sp>
-      <p:sp>
-        <p:nvSpPr>
-          <p:cNvPr id="3" name="内容占位符 2"/>
-          <p:cNvSpPr>
-            <a:spLocks noGrp="1"/>
-          </p:cNvSpPr>
-          <p:nvPr>
-            <p:ph idx="1"/>
-          </p:nvPr>
-        </p:nvSpPr>
-        <p:spPr>
+      <p:pic>
+        <p:nvPicPr>
+          <p:cNvPr id="1026" name="Picture 2"/>
+          <p:cNvPicPr>
+            <a:picLocks noChangeAspect="1" noChangeArrowheads="1"/>
+          </p:cNvPicPr>
+          <p:nvPr/>
+        </p:nvPicPr>
+        <p:blipFill>
+          <a:blip r:embed="rId2"/>
+          <a:srcRect/>
+          <a:stretch>
+            <a:fillRect/>
+          </a:stretch>
+        </p:blipFill>
+        <p:spPr bwMode="auto">
           <a:xfrm>
-            <a:off x="1857356" y="1928802"/>
-            <a:ext cx="6829444" cy="4340237"/>
+            <a:off x="306387" y="1066800"/>
+            <a:ext cx="8837613" cy="5791200"/>
           </a:xfrm>
+          <a:prstGeom prst="rect">
+            <a:avLst/>
+          </a:prstGeom>
+          <a:noFill/>
+          <a:ln w="9525">
+            <a:noFill/>
+            <a:miter lim="800000"/>
+            <a:headEnd/>
+            <a:tailEnd/>
+          </a:ln>
         </p:spPr>
-        <p:txBody>
-          <a:bodyPr>
-            <a:normAutofit fontScale="70000" lnSpcReduction="20000"/>
-          </a:bodyPr>
-          <a:lstStyle/>
-          <a:p>
-            <a:pPr>
-              <a:buNone/>
-            </a:pPr>
-            <a:r>
-              <a:rPr lang="en-US" altLang="zh-CN" sz="7200" dirty="0" smtClean="0"/>
-              <a:t>spring2.5.6</a:t>
-            </a:r>
-          </a:p>
-          <a:p>
-            <a:pPr>
-              <a:buNone/>
-            </a:pPr>
-            <a:r>
-              <a:rPr lang="en-US" altLang="zh-CN" sz="5400" dirty="0" smtClean="0"/>
-              <a:t>/WEB-INF/mvc-config.xml,/WEB-INF/beans-config.xml</a:t>
-            </a:r>
-            <a:endParaRPr lang="en-US" altLang="zh-CN" sz="7200" dirty="0" smtClean="0"/>
-          </a:p>
-          <a:p>
-            <a:pPr>
-              <a:buNone/>
-            </a:pPr>
-            <a:r>
-              <a:rPr lang="en-US" altLang="zh-CN" sz="7200" dirty="0" smtClean="0"/>
-              <a:t>Mvc</a:t>
-            </a:r>
-          </a:p>
-          <a:p>
-            <a:pPr>
-              <a:buNone/>
-            </a:pPr>
-            <a:r>
-              <a:rPr lang="en-US" altLang="zh-CN" sz="6600" dirty="0" smtClean="0"/>
-              <a:t>SessionFactory</a:t>
-            </a:r>
-            <a:endParaRPr lang="en-US" altLang="zh-CN" sz="7200" dirty="0" smtClean="0"/>
-          </a:p>
-          <a:p>
-            <a:pPr>
-              <a:buNone/>
-            </a:pPr>
-            <a:r>
-              <a:rPr lang="en-US" altLang="zh-CN" sz="7200" dirty="0" smtClean="0"/>
-              <a:t>TODO aop</a:t>
-            </a:r>
-          </a:p>
-        </p:txBody>
-      </p:sp>
+      </p:pic>
     </p:spTree>
   </p:cSld>
   <p:clrMapOvr>
@@ -4992,63 +5280,44 @@
           <a:p>
             <a:r>
               <a:rPr lang="en-US" altLang="zh-CN" dirty="0" smtClean="0"/>
-              <a:t>overview</a:t>
+              <a:t>spring2.5.6</a:t>
             </a:r>
             <a:endParaRPr lang="zh-CN" altLang="en-US" dirty="0"/>
           </a:p>
         </p:txBody>
       </p:sp>
-      <p:sp>
-        <p:nvSpPr>
-          <p:cNvPr id="3" name="内容占位符 2"/>
-          <p:cNvSpPr>
-            <a:spLocks noGrp="1"/>
-          </p:cNvSpPr>
-          <p:nvPr>
-            <p:ph idx="1"/>
-          </p:nvPr>
-        </p:nvSpPr>
-        <p:spPr>
+      <p:pic>
+        <p:nvPicPr>
+          <p:cNvPr id="2051" name="Picture 3"/>
+          <p:cNvPicPr>
+            <a:picLocks noChangeAspect="1" noChangeArrowheads="1"/>
+          </p:cNvPicPr>
+          <p:nvPr/>
+        </p:nvPicPr>
+        <p:blipFill>
+          <a:blip r:embed="rId2"/>
+          <a:srcRect/>
+          <a:stretch>
+            <a:fillRect/>
+          </a:stretch>
+        </p:blipFill>
+        <p:spPr bwMode="auto">
           <a:xfrm>
-            <a:off x="1857356" y="1928802"/>
-            <a:ext cx="6829444" cy="4340237"/>
+            <a:off x="1194846" y="1271567"/>
+            <a:ext cx="7949154" cy="5586433"/>
           </a:xfrm>
+          <a:prstGeom prst="rect">
+            <a:avLst/>
+          </a:prstGeom>
+          <a:noFill/>
+          <a:ln w="9525">
+            <a:noFill/>
+            <a:miter lim="800000"/>
+            <a:headEnd/>
+            <a:tailEnd/>
+          </a:ln>
         </p:spPr>
-        <p:txBody>
-          <a:bodyPr>
-            <a:normAutofit/>
-          </a:bodyPr>
-          <a:lstStyle/>
-          <a:p>
-            <a:pPr>
-              <a:buNone/>
-            </a:pPr>
-            <a:r>
-              <a:rPr lang="en-US" altLang="zh-CN" sz="7200" dirty="0" smtClean="0"/>
-              <a:t>hibernate3.3.1 </a:t>
-            </a:r>
-          </a:p>
-          <a:p>
-            <a:pPr>
-              <a:buNone/>
-            </a:pPr>
-            <a:r>
-              <a:rPr lang="en-US" altLang="zh-CN" sz="7200" dirty="0" smtClean="0"/>
-              <a:t>Annotation</a:t>
-            </a:r>
-          </a:p>
-          <a:p>
-            <a:pPr>
-              <a:buNone/>
-            </a:pPr>
-            <a:r>
-              <a:rPr lang="en-US" altLang="zh-CN" sz="7200" dirty="0" smtClean="0"/>
-              <a:t>Hibernate.cfg.xml</a:t>
-            </a:r>
-            <a:endParaRPr lang="en-US" altLang="zh-CN" sz="7200" dirty="0" smtClean="0"/>
-          </a:p>
-        </p:txBody>
-      </p:sp>
+      </p:pic>
     </p:spTree>
   </p:cSld>
   <p:clrMapOvr>
@@ -5081,6 +5350,38 @@
           <a:chExt cx="0" cy="0"/>
         </a:xfrm>
       </p:grpSpPr>
+      <p:pic>
+        <p:nvPicPr>
+          <p:cNvPr id="3074" name="Picture 2"/>
+          <p:cNvPicPr>
+            <a:picLocks noChangeAspect="1" noChangeArrowheads="1"/>
+          </p:cNvPicPr>
+          <p:nvPr/>
+        </p:nvPicPr>
+        <p:blipFill>
+          <a:blip r:embed="rId2"/>
+          <a:srcRect/>
+          <a:stretch>
+            <a:fillRect/>
+          </a:stretch>
+        </p:blipFill>
+        <p:spPr bwMode="auto">
+          <a:xfrm>
+            <a:off x="2552700" y="3476625"/>
+            <a:ext cx="6591300" cy="3381375"/>
+          </a:xfrm>
+          <a:prstGeom prst="rect">
+            <a:avLst/>
+          </a:prstGeom>
+          <a:noFill/>
+          <a:ln w="9525">
+            <a:noFill/>
+            <a:miter lim="800000"/>
+            <a:headEnd/>
+            <a:tailEnd/>
+          </a:ln>
+        </p:spPr>
+      </p:pic>
       <p:sp>
         <p:nvSpPr>
           <p:cNvPr id="2" name="标题 1"/>
@@ -5098,7 +5399,7 @@
           <a:p>
             <a:r>
               <a:rPr lang="en-US" altLang="zh-CN" dirty="0" smtClean="0"/>
-              <a:t>overview</a:t>
+              <a:t>hibernate3.3.1</a:t>
             </a:r>
             <a:endParaRPr lang="zh-CN" altLang="en-US" dirty="0"/>
           </a:p>
@@ -5106,33 +5407,118 @@
       </p:sp>
       <p:sp>
         <p:nvSpPr>
-          <p:cNvPr id="3" name="内容占位符 2"/>
-          <p:cNvSpPr>
-            <a:spLocks noGrp="1"/>
-          </p:cNvSpPr>
-          <p:nvPr>
-            <p:ph idx="1"/>
-          </p:nvPr>
+          <p:cNvPr id="7" name="Rectangle 6"/>
+          <p:cNvSpPr/>
+          <p:nvPr/>
         </p:nvSpPr>
         <p:spPr>
           <a:xfrm>
-            <a:off x="1857356" y="1928802"/>
-            <a:ext cx="6829444" cy="4340237"/>
+            <a:off x="1928794" y="1928802"/>
+            <a:ext cx="6715172" cy="1071570"/>
           </a:xfrm>
+          <a:prstGeom prst="rect">
+            <a:avLst/>
+          </a:prstGeom>
         </p:spPr>
-        <p:txBody>
-          <a:bodyPr>
-            <a:normAutofit/>
-          </a:bodyPr>
+        <p:style>
+          <a:lnRef idx="2">
+            <a:schemeClr val="accent1">
+              <a:shade val="50000"/>
+            </a:schemeClr>
+          </a:lnRef>
+          <a:fillRef idx="1">
+            <a:schemeClr val="accent1"/>
+          </a:fillRef>
+          <a:effectRef idx="0">
+            <a:schemeClr val="accent1"/>
+          </a:effectRef>
+          <a:fontRef idx="minor">
+            <a:schemeClr val="lt1"/>
+          </a:fontRef>
+        </p:style>
+        <p:txBody>
+          <a:bodyPr rtlCol="0" anchor="ctr"/>
           <a:lstStyle/>
           <a:p>
-            <a:pPr>
-              <a:buNone/>
-            </a:pPr>
-            <a:r>
-              <a:rPr lang="en-US" altLang="zh-CN" sz="7200" dirty="0" smtClean="0"/>
-              <a:t>Buffalo</a:t>
-            </a:r>
+            <a:r>
+              <a:rPr lang="en-US" altLang="zh-CN" sz="2400" dirty="0" err="1" smtClean="0"/>
+              <a:t>Ivp</a:t>
+            </a:r>
+            <a:r>
+              <a:rPr lang="en-US" altLang="zh-CN" sz="2400" dirty="0" smtClean="0"/>
+              <a:t>-</a:t>
+            </a:r>
+            <a:r>
+              <a:rPr lang="en-US" altLang="zh-CN" sz="2400" dirty="0" smtClean="0">
+                <a:solidFill>
+                  <a:srgbClr val="FF0000"/>
+                </a:solidFill>
+              </a:rPr>
+              <a:t>Java</a:t>
+            </a:r>
+            <a:r>
+              <a:rPr lang="en-US" altLang="zh-CN" sz="2400" dirty="0" smtClean="0"/>
+              <a:t> – </a:t>
+            </a:r>
+            <a:r>
+              <a:rPr lang="en-US" altLang="zh-CN" sz="2400" dirty="0" err="1" smtClean="0"/>
+              <a:t>jibx</a:t>
+            </a:r>
+            <a:r>
+              <a:rPr lang="en-US" altLang="zh-CN" sz="2400" dirty="0" smtClean="0"/>
+              <a:t> – </a:t>
+            </a:r>
+            <a:r>
+              <a:rPr lang="en-US" altLang="zh-CN" sz="2400" dirty="0" smtClean="0">
+                <a:solidFill>
+                  <a:srgbClr val="FF0000"/>
+                </a:solidFill>
+              </a:rPr>
+              <a:t>xml</a:t>
+            </a:r>
+            <a:r>
+              <a:rPr lang="en-US" altLang="zh-CN" sz="2400" dirty="0" smtClean="0"/>
+              <a:t>-device</a:t>
+            </a:r>
+          </a:p>
+          <a:p>
+            <a:r>
+              <a:rPr lang="en-US" altLang="zh-CN" sz="2400" dirty="0" smtClean="0"/>
+              <a:t>App-</a:t>
+            </a:r>
+            <a:r>
+              <a:rPr lang="en-US" altLang="zh-CN" sz="2400" dirty="0" smtClean="0">
+                <a:solidFill>
+                  <a:srgbClr val="FF0000"/>
+                </a:solidFill>
+              </a:rPr>
+              <a:t>Java</a:t>
+            </a:r>
+            <a:r>
+              <a:rPr lang="en-US" altLang="zh-CN" sz="2400" dirty="0" smtClean="0"/>
+              <a:t> - </a:t>
+            </a:r>
+            <a:r>
+              <a:rPr lang="en-US" altLang="zh-CN" sz="2400" dirty="0" err="1" smtClean="0"/>
+              <a:t>xdoclet</a:t>
+            </a:r>
+            <a:r>
+              <a:rPr lang="en-US" altLang="zh-CN" sz="2400" dirty="0" smtClean="0"/>
+              <a:t> - </a:t>
+            </a:r>
+            <a:r>
+              <a:rPr lang="en-US" altLang="zh-CN" sz="2400" dirty="0" err="1" smtClean="0">
+                <a:solidFill>
+                  <a:srgbClr val="FF0000"/>
+                </a:solidFill>
+              </a:rPr>
+              <a:t>hbm.xml</a:t>
+            </a:r>
+            <a:r>
+              <a:rPr lang="en-US" altLang="zh-CN" sz="2400" dirty="0" smtClean="0"/>
+              <a:t>- hibernate core-db</a:t>
+            </a:r>
+            <a:endParaRPr lang="zh-CN" altLang="en-US" sz="2400" dirty="0"/>
           </a:p>
         </p:txBody>
       </p:sp>
@@ -5185,45 +5571,44 @@
           <a:p>
             <a:r>
               <a:rPr lang="en-US" altLang="zh-CN" dirty="0" smtClean="0"/>
-              <a:t>overview</a:t>
+              <a:t>hibernate3.3.1</a:t>
             </a:r>
             <a:endParaRPr lang="zh-CN" altLang="en-US" dirty="0"/>
           </a:p>
         </p:txBody>
       </p:sp>
-      <p:sp>
-        <p:nvSpPr>
-          <p:cNvPr id="3" name="内容占位符 2"/>
-          <p:cNvSpPr>
-            <a:spLocks noGrp="1"/>
-          </p:cNvSpPr>
-          <p:nvPr>
-            <p:ph idx="1"/>
-          </p:nvPr>
-        </p:nvSpPr>
-        <p:spPr>
+      <p:pic>
+        <p:nvPicPr>
+          <p:cNvPr id="4099" name="Picture 3"/>
+          <p:cNvPicPr>
+            <a:picLocks noChangeAspect="1" noChangeArrowheads="1"/>
+          </p:cNvPicPr>
+          <p:nvPr/>
+        </p:nvPicPr>
+        <p:blipFill>
+          <a:blip r:embed="rId2"/>
+          <a:srcRect/>
+          <a:stretch>
+            <a:fillRect/>
+          </a:stretch>
+        </p:blipFill>
+        <p:spPr bwMode="auto">
           <a:xfrm>
-            <a:off x="1857356" y="1928802"/>
-            <a:ext cx="6829444" cy="4340237"/>
+            <a:off x="1928794" y="2071678"/>
+            <a:ext cx="6591300" cy="4152900"/>
           </a:xfrm>
+          <a:prstGeom prst="rect">
+            <a:avLst/>
+          </a:prstGeom>
+          <a:noFill/>
+          <a:ln w="9525">
+            <a:noFill/>
+            <a:miter lim="800000"/>
+            <a:headEnd/>
+            <a:tailEnd/>
+          </a:ln>
         </p:spPr>
-        <p:txBody>
-          <a:bodyPr>
-            <a:normAutofit/>
-          </a:bodyPr>
-          <a:lstStyle/>
-          <a:p>
-            <a:pPr>
-              <a:buNone/>
-            </a:pPr>
-            <a:r>
-              <a:rPr lang="en-US" altLang="zh-CN" sz="7200" dirty="0" smtClean="0"/>
-              <a:t>FCKEditor</a:t>
-            </a:r>
-            <a:endParaRPr lang="zh-CN" altLang="en-US" dirty="0"/>
-          </a:p>
-        </p:txBody>
-      </p:sp>
+      </p:pic>
     </p:spTree>
   </p:cSld>
   <p:clrMapOvr>
@@ -5273,41 +5658,78 @@
           <a:p>
             <a:r>
               <a:rPr lang="en-US" altLang="zh-CN" dirty="0" smtClean="0"/>
-              <a:t>spring2.5.6</a:t>
+              <a:t>Spring-hibernate</a:t>
             </a:r>
             <a:endParaRPr lang="zh-CN" altLang="en-US" dirty="0"/>
           </a:p>
         </p:txBody>
       </p:sp>
-      <p:sp>
-        <p:nvSpPr>
-          <p:cNvPr id="3" name="内容占位符 2"/>
-          <p:cNvSpPr>
-            <a:spLocks noGrp="1"/>
-          </p:cNvSpPr>
+      <p:pic>
+        <p:nvPicPr>
+          <p:cNvPr id="5122" name="Picture 2"/>
+          <p:cNvPicPr>
+            <a:picLocks noGrp="1" noChangeAspect="1" noChangeArrowheads="1"/>
+          </p:cNvPicPr>
           <p:nvPr>
             <p:ph idx="1"/>
           </p:nvPr>
-        </p:nvSpPr>
-        <p:spPr>
+        </p:nvPicPr>
+        <p:blipFill>
+          <a:blip r:embed="rId2"/>
+          <a:srcRect/>
+          <a:stretch>
+            <a:fillRect/>
+          </a:stretch>
+        </p:blipFill>
+        <p:spPr bwMode="auto">
           <a:xfrm>
-            <a:off x="1857356" y="1928802"/>
-            <a:ext cx="6829444" cy="4340237"/>
+            <a:off x="1928794" y="1857364"/>
+            <a:ext cx="5553075" cy="1609725"/>
           </a:xfrm>
+          <a:prstGeom prst="rect">
+            <a:avLst/>
+          </a:prstGeom>
+          <a:noFill/>
+          <a:ln w="9525">
+            <a:noFill/>
+            <a:miter lim="800000"/>
+            <a:headEnd/>
+            <a:tailEnd/>
+          </a:ln>
         </p:spPr>
-        <p:txBody>
-          <a:bodyPr>
-            <a:normAutofit/>
-          </a:bodyPr>
-          <a:lstStyle/>
-          <a:p>
-            <a:pPr>
-              <a:buNone/>
-            </a:pPr>
-            <a:endParaRPr lang="en-US" altLang="zh-CN" sz="7200" dirty="0" smtClean="0"/>
-          </a:p>
-        </p:txBody>
-      </p:sp>
+      </p:pic>
+      <p:pic>
+        <p:nvPicPr>
+          <p:cNvPr id="6" name="Picture 2"/>
+          <p:cNvPicPr>
+            <a:picLocks noChangeAspect="1" noChangeArrowheads="1"/>
+          </p:cNvPicPr>
+          <p:nvPr/>
+        </p:nvPicPr>
+        <p:blipFill>
+          <a:blip r:embed="rId3"/>
+          <a:srcRect/>
+          <a:stretch>
+            <a:fillRect/>
+          </a:stretch>
+        </p:blipFill>
+        <p:spPr bwMode="auto">
+          <a:xfrm>
+            <a:off x="5072066" y="4214818"/>
+            <a:ext cx="3295650" cy="2066925"/>
+          </a:xfrm>
+          <a:prstGeom prst="rect">
+            <a:avLst/>
+          </a:prstGeom>
+          <a:noFill/>
+          <a:ln w="9525">
+            <a:noFill/>
+            <a:miter lim="800000"/>
+            <a:headEnd/>
+            <a:tailEnd/>
+          </a:ln>
+        </p:spPr>
+      </p:pic>
     </p:spTree>
   </p:cSld>
   <p:clrMapOvr>
@@ -5357,41 +5779,108 @@
           <a:p>
             <a:r>
               <a:rPr lang="en-US" altLang="zh-CN" dirty="0" smtClean="0"/>
-              <a:t>hibernate3.3.1</a:t>
+              <a:t>Spring-hibernate</a:t>
             </a:r>
             <a:endParaRPr lang="zh-CN" altLang="en-US" dirty="0"/>
           </a:p>
         </p:txBody>
       </p:sp>
-      <p:sp>
-        <p:nvSpPr>
-          <p:cNvPr id="3" name="内容占位符 2"/>
-          <p:cNvSpPr>
-            <a:spLocks noGrp="1"/>
-          </p:cNvSpPr>
-          <p:nvPr>
-            <p:ph idx="1"/>
-          </p:nvPr>
-        </p:nvSpPr>
-        <p:spPr>
+      <p:pic>
+        <p:nvPicPr>
+          <p:cNvPr id="6147" name="Picture 3"/>
+          <p:cNvPicPr>
+            <a:picLocks noChangeAspect="1" noChangeArrowheads="1"/>
+          </p:cNvPicPr>
+          <p:nvPr/>
+        </p:nvPicPr>
+        <p:blipFill>
+          <a:blip r:embed="rId2"/>
+          <a:srcRect/>
+          <a:stretch>
+            <a:fillRect/>
+          </a:stretch>
+        </p:blipFill>
+        <p:spPr bwMode="auto">
           <a:xfrm>
-            <a:off x="1857356" y="1928802"/>
-            <a:ext cx="6829444" cy="4340237"/>
+            <a:off x="0" y="1714488"/>
+            <a:ext cx="5143504" cy="1126093"/>
           </a:xfrm>
+          <a:prstGeom prst="rect">
+            <a:avLst/>
+          </a:prstGeom>
+          <a:noFill/>
+          <a:ln w="9525">
+            <a:noFill/>
+            <a:miter lim="800000"/>
+            <a:headEnd/>
+            <a:tailEnd/>
+          </a:ln>
         </p:spPr>
-        <p:txBody>
-          <a:bodyPr>
-            <a:normAutofit/>
-          </a:bodyPr>
-          <a:lstStyle/>
-          <a:p>
-            <a:pPr>
-              <a:buNone/>
-            </a:pPr>
-            <a:endParaRPr lang="zh-CN" altLang="en-US" dirty="0"/>
-          </a:p>
-        </p:txBody>
-      </p:sp>
+      </p:pic>
+      <p:pic>
+        <p:nvPicPr>
+          <p:cNvPr id="6148" name="Picture 4"/>
+          <p:cNvPicPr>
+            <a:picLocks noChangeAspect="1" noChangeArrowheads="1"/>
+          </p:cNvPicPr>
+          <p:nvPr/>
+        </p:nvPicPr>
+        <p:blipFill>
+          <a:blip r:embed="rId3"/>
+          <a:srcRect/>
+          <a:stretch>
+            <a:fillRect/>
+          </a:stretch>
+        </p:blipFill>
+        <p:spPr bwMode="auto">
+          <a:xfrm>
+            <a:off x="0" y="3000372"/>
+            <a:ext cx="4962525" cy="1066800"/>
+          </a:xfrm>
+          <a:prstGeom prst="rect">
+            <a:avLst/>
+          </a:prstGeom>
+          <a:noFill/>
+          <a:ln w="9525">
+            <a:noFill/>
+            <a:miter lim="800000"/>
+            <a:headEnd/>
+            <a:tailEnd/>
+          </a:ln>
+        </p:spPr>
+      </p:pic>
+      <p:pic>
+        <p:nvPicPr>
+          <p:cNvPr id="6149" name="Picture 5"/>
+          <p:cNvPicPr>
+            <a:picLocks noChangeAspect="1" noChangeArrowheads="1"/>
+          </p:cNvPicPr>
+          <p:nvPr/>
+        </p:nvPicPr>
+        <p:blipFill>
+          <a:blip r:embed="rId4"/>
+          <a:srcRect/>
+          <a:stretch>
+            <a:fillRect/>
+          </a:stretch>
+        </p:blipFill>
+        <p:spPr bwMode="auto">
+          <a:xfrm>
+            <a:off x="3571875" y="3533775"/>
+            <a:ext cx="5572125" cy="3324225"/>
+          </a:xfrm>
+          <a:prstGeom prst="rect">
+            <a:avLst/>
+          </a:prstGeom>
+          <a:noFill/>
+          <a:ln w="9525">
+            <a:noFill/>
+            <a:miter lim="800000"/>
+            <a:headEnd/>
+            <a:tailEnd/>
+          </a:ln>
+        </p:spPr>
+      </p:pic>
     </p:spTree>
   </p:cSld>
   <p:clrMapOvr>
@@ -5443,34 +5932,149 @@
               <a:rPr lang="en-US" altLang="zh-CN" dirty="0" smtClean="0"/>
               <a:t>Buffalo</a:t>
             </a:r>
-            <a:endParaRPr lang="zh-CN" altLang="en-US" dirty="0"/>
-          </a:p>
-        </p:txBody>
-      </p:sp>
-      <p:sp>
-        <p:nvSpPr>
-          <p:cNvPr id="3" name="内容占位符 2"/>
-          <p:cNvSpPr>
-            <a:spLocks noGrp="1"/>
-          </p:cNvSpPr>
-          <p:nvPr>
-            <p:ph idx="1"/>
-          </p:nvPr>
-        </p:nvSpPr>
-        <p:spPr/>
-        <p:txBody>
-          <a:bodyPr/>
-          <a:lstStyle/>
-          <a:p>
-            <a:endParaRPr lang="zh-CN" altLang="en-US"/>
-          </a:p>
-        </p:txBody>
-      </p:sp>
+          </a:p>
+        </p:txBody>
+      </p:sp>
+      <p:pic>
+        <p:nvPicPr>
+          <p:cNvPr id="7170" name="Picture 2"/>
+          <p:cNvPicPr>
+            <a:picLocks noChangeAspect="1" noChangeArrowheads="1"/>
+          </p:cNvPicPr>
+          <p:nvPr/>
+        </p:nvPicPr>
+        <p:blipFill>
+          <a:blip r:embed="rId2"/>
+          <a:srcRect/>
+          <a:stretch>
+            <a:fillRect/>
+          </a:stretch>
+        </p:blipFill>
+        <p:spPr bwMode="auto">
+          <a:xfrm>
+            <a:off x="1928794" y="1857364"/>
+            <a:ext cx="4895850" cy="1238250"/>
+          </a:xfrm>
+          <a:prstGeom prst="rect">
+            <a:avLst/>
+          </a:prstGeom>
+          <a:noFill/>
+          <a:ln w="9525">
+            <a:noFill/>
+            <a:miter lim="800000"/>
+            <a:headEnd/>
+            <a:tailEnd/>
+          </a:ln>
+        </p:spPr>
+      </p:pic>
+      <p:pic>
+        <p:nvPicPr>
+          <p:cNvPr id="7171" name="Picture 3"/>
+          <p:cNvPicPr>
+            <a:picLocks noChangeAspect="1" noChangeArrowheads="1"/>
+          </p:cNvPicPr>
+          <p:nvPr/>
+        </p:nvPicPr>
+        <p:blipFill>
+          <a:blip r:embed="rId3"/>
+          <a:srcRect/>
+          <a:stretch>
+            <a:fillRect/>
+          </a:stretch>
+        </p:blipFill>
+        <p:spPr bwMode="auto">
+          <a:xfrm>
+            <a:off x="1928794" y="3500438"/>
+            <a:ext cx="1190625" cy="704850"/>
+          </a:xfrm>
+          <a:prstGeom prst="rect">
+            <a:avLst/>
+          </a:prstGeom>
+          <a:noFill/>
+          <a:ln w="9525">
+            <a:noFill/>
+            <a:miter lim="800000"/>
+            <a:headEnd/>
+            <a:tailEnd/>
+          </a:ln>
+        </p:spPr>
+      </p:pic>
+      <p:pic>
+        <p:nvPicPr>
+          <p:cNvPr id="7173" name="Picture 5"/>
+          <p:cNvPicPr>
+            <a:picLocks noChangeAspect="1" noChangeArrowheads="1"/>
+          </p:cNvPicPr>
+          <p:nvPr/>
+        </p:nvPicPr>
+        <p:blipFill>
+          <a:blip r:embed="rId4"/>
+          <a:srcRect/>
+          <a:stretch>
+            <a:fillRect/>
+          </a:stretch>
+        </p:blipFill>
+        <p:spPr bwMode="auto">
+          <a:xfrm>
+            <a:off x="5057775" y="3248025"/>
+            <a:ext cx="4086225" cy="3609975"/>
+          </a:xfrm>
+          <a:prstGeom prst="rect">
+            <a:avLst/>
+          </a:prstGeom>
+          <a:noFill/>
+          <a:ln w="9525">
+            <a:noFill/>
+            <a:miter lim="800000"/>
+            <a:headEnd/>
+            <a:tailEnd/>
+          </a:ln>
+        </p:spPr>
+      </p:pic>
+      <p:pic>
+        <p:nvPicPr>
+          <p:cNvPr id="7174" name="Picture 6"/>
+          <p:cNvPicPr>
+            <a:picLocks noChangeAspect="1" noChangeArrowheads="1"/>
+          </p:cNvPicPr>
+          <p:nvPr/>
+        </p:nvPicPr>
+        <p:blipFill>
+          <a:blip r:embed="rId5"/>
+          <a:srcRect/>
+          <a:stretch>
+            <a:fillRect/>
+          </a:stretch>
+        </p:blipFill>
+        <p:spPr bwMode="auto">
+          <a:xfrm>
+            <a:off x="1357290" y="4643446"/>
+            <a:ext cx="3114675" cy="1990725"/>
+          </a:xfrm>
+          <a:prstGeom prst="rect">
+            <a:avLst/>
+          </a:prstGeom>
+          <a:noFill/>
+          <a:ln w="9525">
+            <a:noFill/>
+            <a:miter lim="800000"/>
+            <a:headEnd/>
+            <a:tailEnd/>
+          </a:ln>
+        </p:spPr>
+      </p:pic>
     </p:spTree>
   </p:cSld>
   <p:clrMapOvr>
     <a:masterClrMapping/>
   </p:clrMapOvr>
+  <p:timing>
+    <p:tnLst>
+      <p:par>
+        <p:cTn id="1" dur="indefinite" restart="never" nodeType="tmRoot"/>
+      </p:par>
+    </p:tnLst>
+  </p:timing>
 </p:sld>
 </file>
 
